--- a/Files/Student Lunch Payment.pptx
+++ b/Files/Student Lunch Payment.pptx
@@ -111,6 +111,11 @@
       </a:defRPr>
     </a:lvl9pPr>
   </p:defaultTextStyle>
+  <p:extLst>
+    <p:ext uri="{EFAFB233-063F-42B5-8137-9DF3F51BA10A}">
+      <p15:sldGuideLst xmlns:p15="http://schemas.microsoft.com/office/powerpoint/2012/main"/>
+    </p:ext>
+  </p:extLst>
 </p:presentation>
 </file>
 
@@ -261,7 +266,7 @@
           <a:p>
             <a:fld id="{E3BB5589-5ACA-4697-821D-BB0183852538}" type="datetimeFigureOut">
               <a:rPr lang="en-US" smtClean="0"/>
-              <a:t>11/2/2024</a:t>
+              <a:t>5/5/2025</a:t>
             </a:fld>
             <a:endParaRPr lang="en-US"/>
           </a:p>
@@ -459,7 +464,7 @@
           <a:p>
             <a:fld id="{E3BB5589-5ACA-4697-821D-BB0183852538}" type="datetimeFigureOut">
               <a:rPr lang="en-US" smtClean="0"/>
-              <a:t>11/2/2024</a:t>
+              <a:t>5/5/2025</a:t>
             </a:fld>
             <a:endParaRPr lang="en-US"/>
           </a:p>
@@ -667,7 +672,7 @@
           <a:p>
             <a:fld id="{E3BB5589-5ACA-4697-821D-BB0183852538}" type="datetimeFigureOut">
               <a:rPr lang="en-US" smtClean="0"/>
-              <a:t>11/2/2024</a:t>
+              <a:t>5/5/2025</a:t>
             </a:fld>
             <a:endParaRPr lang="en-US"/>
           </a:p>
@@ -865,7 +870,7 @@
           <a:p>
             <a:fld id="{E3BB5589-5ACA-4697-821D-BB0183852538}" type="datetimeFigureOut">
               <a:rPr lang="en-US" smtClean="0"/>
-              <a:t>11/2/2024</a:t>
+              <a:t>5/5/2025</a:t>
             </a:fld>
             <a:endParaRPr lang="en-US"/>
           </a:p>
@@ -1140,7 +1145,7 @@
           <a:p>
             <a:fld id="{E3BB5589-5ACA-4697-821D-BB0183852538}" type="datetimeFigureOut">
               <a:rPr lang="en-US" smtClean="0"/>
-              <a:t>11/2/2024</a:t>
+              <a:t>5/5/2025</a:t>
             </a:fld>
             <a:endParaRPr lang="en-US"/>
           </a:p>
@@ -1405,7 +1410,7 @@
           <a:p>
             <a:fld id="{E3BB5589-5ACA-4697-821D-BB0183852538}" type="datetimeFigureOut">
               <a:rPr lang="en-US" smtClean="0"/>
-              <a:t>11/2/2024</a:t>
+              <a:t>5/5/2025</a:t>
             </a:fld>
             <a:endParaRPr lang="en-US"/>
           </a:p>
@@ -1817,7 +1822,7 @@
           <a:p>
             <a:fld id="{E3BB5589-5ACA-4697-821D-BB0183852538}" type="datetimeFigureOut">
               <a:rPr lang="en-US" smtClean="0"/>
-              <a:t>11/2/2024</a:t>
+              <a:t>5/5/2025</a:t>
             </a:fld>
             <a:endParaRPr lang="en-US"/>
           </a:p>
@@ -1958,7 +1963,7 @@
           <a:p>
             <a:fld id="{E3BB5589-5ACA-4697-821D-BB0183852538}" type="datetimeFigureOut">
               <a:rPr lang="en-US" smtClean="0"/>
-              <a:t>11/2/2024</a:t>
+              <a:t>5/5/2025</a:t>
             </a:fld>
             <a:endParaRPr lang="en-US"/>
           </a:p>
@@ -2071,7 +2076,7 @@
           <a:p>
             <a:fld id="{E3BB5589-5ACA-4697-821D-BB0183852538}" type="datetimeFigureOut">
               <a:rPr lang="en-US" smtClean="0"/>
-              <a:t>11/2/2024</a:t>
+              <a:t>5/5/2025</a:t>
             </a:fld>
             <a:endParaRPr lang="en-US"/>
           </a:p>
@@ -2382,7 +2387,7 @@
           <a:p>
             <a:fld id="{E3BB5589-5ACA-4697-821D-BB0183852538}" type="datetimeFigureOut">
               <a:rPr lang="en-US" smtClean="0"/>
-              <a:t>11/2/2024</a:t>
+              <a:t>5/5/2025</a:t>
             </a:fld>
             <a:endParaRPr lang="en-US"/>
           </a:p>
@@ -2670,7 +2675,7 @@
           <a:p>
             <a:fld id="{E3BB5589-5ACA-4697-821D-BB0183852538}" type="datetimeFigureOut">
               <a:rPr lang="en-US" smtClean="0"/>
-              <a:t>11/2/2024</a:t>
+              <a:t>5/5/2025</a:t>
             </a:fld>
             <a:endParaRPr lang="en-US"/>
           </a:p>
@@ -2911,7 +2916,7 @@
           <a:p>
             <a:fld id="{E3BB5589-5ACA-4697-821D-BB0183852538}" type="datetimeFigureOut">
               <a:rPr lang="en-US" smtClean="0"/>
-              <a:t>11/2/2024</a:t>
+              <a:t>5/5/2025</a:t>
             </a:fld>
             <a:endParaRPr lang="en-US"/>
           </a:p>
@@ -3385,7 +3390,7 @@
           <a:p>
             <a:r>
               <a:rPr lang="en-US" dirty="0"/>
-              <a:t>INFO-C450</a:t>
+              <a:t>INFO-C451</a:t>
             </a:r>
           </a:p>
         </p:txBody>
@@ -4011,7 +4016,7 @@
           <a:lstStyle/>
           <a:p>
             <a:r>
-              <a:rPr lang="en-US" dirty="0"/>
+              <a:rPr lang="en-US" b="1" dirty="0"/>
               <a:t>Demo – Application Walkthrough</a:t>
             </a:r>
           </a:p>
@@ -4151,7 +4156,15 @@
           <a:bodyPr/>
           <a:lstStyle/>
           <a:p>
-            <a:endParaRPr lang="en-US"/>
+            <a:r>
+              <a:rPr lang="en-US" sz="4400" b="1" dirty="0"/>
+              <a:t>Future Enhancements in Progress</a:t>
+            </a:r>
+            <a:r>
+              <a:rPr lang="en-US" sz="4400" dirty="0"/>
+              <a:t>:</a:t>
+            </a:r>
+            <a:endParaRPr lang="en-US" dirty="0"/>
           </a:p>
         </p:txBody>
       </p:sp>
@@ -4296,7 +4309,7 @@
           <a:lstStyle/>
           <a:p>
             <a:r>
-              <a:rPr lang="en-US" dirty="0"/>
+              <a:rPr lang="en-US" b="1" dirty="0"/>
               <a:t>Roadmap &amp; Next Steps</a:t>
             </a:r>
           </a:p>
